--- a/Design/README.pptx
+++ b/Design/README.pptx
@@ -5,12 +5,13 @@
     <p:sldMasterId id="2147483648" r:id="rId1"/>
   </p:sldMasterIdLst>
   <p:sldIdLst>
-    <p:sldId id="256" r:id="rId2"/>
-    <p:sldId id="257" r:id="rId3"/>
-    <p:sldId id="258" r:id="rId4"/>
-    <p:sldId id="259" r:id="rId5"/>
-    <p:sldId id="260" r:id="rId6"/>
-    <p:sldId id="261" r:id="rId7"/>
+    <p:sldId id="262" r:id="rId2"/>
+    <p:sldId id="256" r:id="rId3"/>
+    <p:sldId id="257" r:id="rId4"/>
+    <p:sldId id="258" r:id="rId5"/>
+    <p:sldId id="259" r:id="rId6"/>
+    <p:sldId id="260" r:id="rId7"/>
+    <p:sldId id="261" r:id="rId8"/>
   </p:sldIdLst>
   <p:sldSz cx="12192000" cy="6858000"/>
   <p:notesSz cx="6858000" cy="9144000"/>
@@ -109,6 +110,11 @@
       </a:defRPr>
     </a:lvl9pPr>
   </p:defaultTextStyle>
+  <p:extLst>
+    <p:ext uri="{EFAFB233-063F-42B5-8137-9DF3F51BA10A}">
+      <p15:sldGuideLst xmlns:p15="http://schemas.microsoft.com/office/powerpoint/2012/main"/>
+    </p:ext>
+  </p:extLst>
 </p:presentation>
 </file>
 
@@ -243,7 +249,7 @@
           <a:p>
             <a:fld id="{EFB23206-533C-4D93-800F-69A230BC9077}" type="datetimeFigureOut">
               <a:rPr kumimoji="1" lang="ja-JP" altLang="en-US" smtClean="0"/>
-              <a:t>2022/11/30</a:t>
+              <a:t>2022/12/18</a:t>
             </a:fld>
             <a:endParaRPr kumimoji="1" lang="ja-JP" altLang="en-US"/>
           </a:p>
@@ -445,7 +451,7 @@
           <a:p>
             <a:fld id="{EFB23206-533C-4D93-800F-69A230BC9077}" type="datetimeFigureOut">
               <a:rPr kumimoji="1" lang="ja-JP" altLang="en-US" smtClean="0"/>
-              <a:t>2022/11/30</a:t>
+              <a:t>2022/12/18</a:t>
             </a:fld>
             <a:endParaRPr kumimoji="1" lang="ja-JP" altLang="en-US"/>
           </a:p>
@@ -657,7 +663,7 @@
           <a:p>
             <a:fld id="{EFB23206-533C-4D93-800F-69A230BC9077}" type="datetimeFigureOut">
               <a:rPr kumimoji="1" lang="ja-JP" altLang="en-US" smtClean="0"/>
-              <a:t>2022/11/30</a:t>
+              <a:t>2022/12/18</a:t>
             </a:fld>
             <a:endParaRPr kumimoji="1" lang="ja-JP" altLang="en-US"/>
           </a:p>
@@ -859,7 +865,7 @@
           <a:p>
             <a:fld id="{EFB23206-533C-4D93-800F-69A230BC9077}" type="datetimeFigureOut">
               <a:rPr kumimoji="1" lang="ja-JP" altLang="en-US" smtClean="0"/>
-              <a:t>2022/11/30</a:t>
+              <a:t>2022/12/18</a:t>
             </a:fld>
             <a:endParaRPr kumimoji="1" lang="ja-JP" altLang="en-US"/>
           </a:p>
@@ -1105,7 +1111,7 @@
           <a:p>
             <a:fld id="{EFB23206-533C-4D93-800F-69A230BC9077}" type="datetimeFigureOut">
               <a:rPr kumimoji="1" lang="ja-JP" altLang="en-US" smtClean="0"/>
-              <a:t>2022/11/30</a:t>
+              <a:t>2022/12/18</a:t>
             </a:fld>
             <a:endParaRPr kumimoji="1" lang="ja-JP" altLang="en-US"/>
           </a:p>
@@ -1401,7 +1407,7 @@
           <a:p>
             <a:fld id="{EFB23206-533C-4D93-800F-69A230BC9077}" type="datetimeFigureOut">
               <a:rPr kumimoji="1" lang="ja-JP" altLang="en-US" smtClean="0"/>
-              <a:t>2022/11/30</a:t>
+              <a:t>2022/12/18</a:t>
             </a:fld>
             <a:endParaRPr kumimoji="1" lang="ja-JP" altLang="en-US"/>
           </a:p>
@@ -1832,7 +1838,7 @@
           <a:p>
             <a:fld id="{EFB23206-533C-4D93-800F-69A230BC9077}" type="datetimeFigureOut">
               <a:rPr kumimoji="1" lang="ja-JP" altLang="en-US" smtClean="0"/>
-              <a:t>2022/11/30</a:t>
+              <a:t>2022/12/18</a:t>
             </a:fld>
             <a:endParaRPr kumimoji="1" lang="ja-JP" altLang="en-US"/>
           </a:p>
@@ -1950,7 +1956,7 @@
           <a:p>
             <a:fld id="{EFB23206-533C-4D93-800F-69A230BC9077}" type="datetimeFigureOut">
               <a:rPr kumimoji="1" lang="ja-JP" altLang="en-US" smtClean="0"/>
-              <a:t>2022/11/30</a:t>
+              <a:t>2022/12/18</a:t>
             </a:fld>
             <a:endParaRPr kumimoji="1" lang="ja-JP" altLang="en-US"/>
           </a:p>
@@ -2045,7 +2051,7 @@
           <a:p>
             <a:fld id="{EFB23206-533C-4D93-800F-69A230BC9077}" type="datetimeFigureOut">
               <a:rPr kumimoji="1" lang="ja-JP" altLang="en-US" smtClean="0"/>
-              <a:t>2022/11/30</a:t>
+              <a:t>2022/12/18</a:t>
             </a:fld>
             <a:endParaRPr kumimoji="1" lang="ja-JP" altLang="en-US"/>
           </a:p>
@@ -2354,7 +2360,7 @@
           <a:p>
             <a:fld id="{EFB23206-533C-4D93-800F-69A230BC9077}" type="datetimeFigureOut">
               <a:rPr kumimoji="1" lang="ja-JP" altLang="en-US" smtClean="0"/>
-              <a:t>2022/11/30</a:t>
+              <a:t>2022/12/18</a:t>
             </a:fld>
             <a:endParaRPr kumimoji="1" lang="ja-JP" altLang="en-US"/>
           </a:p>
@@ -2607,7 +2613,7 @@
           <a:p>
             <a:fld id="{EFB23206-533C-4D93-800F-69A230BC9077}" type="datetimeFigureOut">
               <a:rPr kumimoji="1" lang="ja-JP" altLang="en-US" smtClean="0"/>
-              <a:t>2022/11/30</a:t>
+              <a:t>2022/12/18</a:t>
             </a:fld>
             <a:endParaRPr kumimoji="1" lang="ja-JP" altLang="en-US"/>
           </a:p>
@@ -2852,7 +2858,7 @@
           <a:p>
             <a:fld id="{EFB23206-533C-4D93-800F-69A230BC9077}" type="datetimeFigureOut">
               <a:rPr kumimoji="1" lang="ja-JP" altLang="en-US" smtClean="0"/>
-              <a:t>2022/11/30</a:t>
+              <a:t>2022/12/18</a:t>
             </a:fld>
             <a:endParaRPr kumimoji="1" lang="ja-JP" altLang="en-US"/>
           </a:p>
@@ -3259,6 +3265,271 @@
       </p:grpSpPr>
       <p:grpSp>
         <p:nvGrpSpPr>
+          <p:cNvPr id="10" name="グループ化 9"/>
+          <p:cNvGrpSpPr/>
+          <p:nvPr/>
+        </p:nvGrpSpPr>
+        <p:grpSpPr>
+          <a:xfrm>
+            <a:off x="0" y="0"/>
+            <a:ext cx="7465836" cy="3260181"/>
+            <a:chOff x="0" y="0"/>
+            <a:chExt cx="7465836" cy="3260181"/>
+          </a:xfrm>
+        </p:grpSpPr>
+        <p:grpSp>
+          <p:nvGrpSpPr>
+            <p:cNvPr id="2" name="グループ化 1"/>
+            <p:cNvGrpSpPr/>
+            <p:nvPr/>
+          </p:nvGrpSpPr>
+          <p:grpSpPr>
+            <a:xfrm>
+              <a:off x="0" y="0"/>
+              <a:ext cx="3331833" cy="3260181"/>
+              <a:chOff x="2607733" y="15749"/>
+              <a:chExt cx="6441169" cy="6302649"/>
+            </a:xfrm>
+          </p:grpSpPr>
+          <p:pic>
+            <p:nvPicPr>
+              <p:cNvPr id="3" name="図 2"/>
+              <p:cNvPicPr>
+                <a:picLocks noChangeAspect="1"/>
+              </p:cNvPicPr>
+              <p:nvPr/>
+            </p:nvPicPr>
+            <p:blipFill>
+              <a:blip r:embed="rId2"/>
+              <a:stretch>
+                <a:fillRect/>
+              </a:stretch>
+            </p:blipFill>
+            <p:spPr>
+              <a:xfrm>
+                <a:off x="2607733" y="15749"/>
+                <a:ext cx="6441169" cy="6302649"/>
+              </a:xfrm>
+              <a:prstGeom prst="rect">
+                <a:avLst/>
+              </a:prstGeom>
+            </p:spPr>
+          </p:pic>
+          <p:sp>
+            <p:nvSpPr>
+              <p:cNvPr id="4" name="角丸四角形 3"/>
+              <p:cNvSpPr/>
+              <p:nvPr/>
+            </p:nvSpPr>
+            <p:spPr>
+              <a:xfrm>
+                <a:off x="3640667" y="3310467"/>
+                <a:ext cx="1236133" cy="385233"/>
+              </a:xfrm>
+              <a:prstGeom prst="roundRect">
+                <a:avLst/>
+              </a:prstGeom>
+              <a:noFill/>
+              <a:ln w="57150">
+                <a:solidFill>
+                  <a:srgbClr val="FF0000"/>
+                </a:solidFill>
+              </a:ln>
+            </p:spPr>
+            <p:style>
+              <a:lnRef idx="2">
+                <a:schemeClr val="accent1">
+                  <a:shade val="50000"/>
+                </a:schemeClr>
+              </a:lnRef>
+              <a:fillRef idx="1">
+                <a:schemeClr val="accent1"/>
+              </a:fillRef>
+              <a:effectRef idx="0">
+                <a:schemeClr val="accent1"/>
+              </a:effectRef>
+              <a:fontRef idx="minor">
+                <a:schemeClr val="lt1"/>
+              </a:fontRef>
+            </p:style>
+            <p:txBody>
+              <a:bodyPr rtlCol="0" anchor="ctr"/>
+              <a:lstStyle/>
+              <a:p>
+                <a:pPr algn="ctr"/>
+                <a:endParaRPr kumimoji="1" lang="ja-JP" altLang="en-US"/>
+              </a:p>
+            </p:txBody>
+          </p:sp>
+        </p:grpSp>
+        <p:pic>
+          <p:nvPicPr>
+            <p:cNvPr id="5" name="図 4"/>
+            <p:cNvPicPr>
+              <a:picLocks noChangeAspect="1"/>
+            </p:cNvPicPr>
+            <p:nvPr/>
+          </p:nvPicPr>
+          <p:blipFill>
+            <a:blip r:embed="rId3"/>
+            <a:stretch>
+              <a:fillRect/>
+            </a:stretch>
+          </p:blipFill>
+          <p:spPr>
+            <a:xfrm>
+              <a:off x="3331833" y="519132"/>
+              <a:ext cx="4134003" cy="2221916"/>
+            </a:xfrm>
+            <a:prstGeom prst="rect">
+              <a:avLst/>
+            </a:prstGeom>
+          </p:spPr>
+        </p:pic>
+      </p:grpSp>
+      <p:pic>
+        <p:nvPicPr>
+          <p:cNvPr id="6" name="図 5"/>
+          <p:cNvPicPr>
+            <a:picLocks noChangeAspect="1"/>
+          </p:cNvPicPr>
+          <p:nvPr/>
+        </p:nvPicPr>
+        <p:blipFill>
+          <a:blip r:embed="rId4"/>
+          <a:stretch>
+            <a:fillRect/>
+          </a:stretch>
+        </p:blipFill>
+        <p:spPr>
+          <a:xfrm>
+            <a:off x="1250651" y="3479440"/>
+            <a:ext cx="4336350" cy="2895489"/>
+          </a:xfrm>
+          <a:prstGeom prst="rect">
+            <a:avLst/>
+          </a:prstGeom>
+        </p:spPr>
+      </p:pic>
+      <p:grpSp>
+        <p:nvGrpSpPr>
+          <p:cNvPr id="11" name="グループ化 10"/>
+          <p:cNvGrpSpPr/>
+          <p:nvPr/>
+        </p:nvGrpSpPr>
+        <p:grpSpPr>
+          <a:xfrm>
+            <a:off x="4370813" y="873956"/>
+            <a:ext cx="9499297" cy="4053228"/>
+            <a:chOff x="4370813" y="873956"/>
+            <a:chExt cx="9499297" cy="4053228"/>
+          </a:xfrm>
+        </p:grpSpPr>
+        <p:pic>
+          <p:nvPicPr>
+            <p:cNvPr id="7" name="図 6"/>
+            <p:cNvPicPr>
+              <a:picLocks noChangeAspect="1"/>
+            </p:cNvPicPr>
+            <p:nvPr/>
+          </p:nvPicPr>
+          <p:blipFill>
+            <a:blip r:embed="rId5"/>
+            <a:stretch>
+              <a:fillRect/>
+            </a:stretch>
+          </p:blipFill>
+          <p:spPr>
+            <a:xfrm>
+              <a:off x="4370813" y="873956"/>
+              <a:ext cx="3117495" cy="4053228"/>
+            </a:xfrm>
+            <a:prstGeom prst="rect">
+              <a:avLst/>
+            </a:prstGeom>
+          </p:spPr>
+        </p:pic>
+        <p:pic>
+          <p:nvPicPr>
+            <p:cNvPr id="8" name="図 7"/>
+            <p:cNvPicPr>
+              <a:picLocks noChangeAspect="1"/>
+            </p:cNvPicPr>
+            <p:nvPr/>
+          </p:nvPicPr>
+          <p:blipFill>
+            <a:blip r:embed="rId6"/>
+            <a:stretch>
+              <a:fillRect/>
+            </a:stretch>
+          </p:blipFill>
+          <p:spPr>
+            <a:xfrm>
+              <a:off x="7465836" y="1264198"/>
+              <a:ext cx="3309251" cy="2741049"/>
+            </a:xfrm>
+            <a:prstGeom prst="rect">
+              <a:avLst/>
+            </a:prstGeom>
+          </p:spPr>
+        </p:pic>
+        <p:pic>
+          <p:nvPicPr>
+            <p:cNvPr id="9" name="図 8"/>
+            <p:cNvPicPr>
+              <a:picLocks noChangeAspect="1"/>
+            </p:cNvPicPr>
+            <p:nvPr/>
+          </p:nvPicPr>
+          <p:blipFill>
+            <a:blip r:embed="rId7"/>
+            <a:stretch>
+              <a:fillRect/>
+            </a:stretch>
+          </p:blipFill>
+          <p:spPr>
+            <a:xfrm>
+              <a:off x="10736949" y="958481"/>
+              <a:ext cx="3133161" cy="3352482"/>
+            </a:xfrm>
+            <a:prstGeom prst="rect">
+              <a:avLst/>
+            </a:prstGeom>
+          </p:spPr>
+        </p:pic>
+      </p:grpSp>
+    </p:spTree>
+    <p:extLst>
+      <p:ext uri="{BB962C8B-B14F-4D97-AF65-F5344CB8AC3E}">
+        <p14:creationId xmlns:p14="http://schemas.microsoft.com/office/powerpoint/2010/main" val="831543774"/>
+      </p:ext>
+    </p:extLst>
+  </p:cSld>
+  <p:clrMapOvr>
+    <a:masterClrMapping/>
+  </p:clrMapOvr>
+</p:sld>
+</file>
+
+<file path=ppt/slides/slide2.xml><?xml version="1.0" encoding="utf-8"?>
+<p:sld xmlns:a="http://schemas.openxmlformats.org/drawingml/2006/main" xmlns:r="http://schemas.openxmlformats.org/officeDocument/2006/relationships" xmlns:p="http://schemas.openxmlformats.org/presentationml/2006/main">
+  <p:cSld>
+    <p:spTree>
+      <p:nvGrpSpPr>
+        <p:cNvPr id="1" name=""/>
+        <p:cNvGrpSpPr/>
+        <p:nvPr/>
+      </p:nvGrpSpPr>
+      <p:grpSpPr>
+        <a:xfrm>
+          <a:off x="0" y="0"/>
+          <a:ext cx="0" cy="0"/>
+          <a:chOff x="0" y="0"/>
+          <a:chExt cx="0" cy="0"/>
+        </a:xfrm>
+      </p:grpSpPr>
+      <p:grpSp>
+        <p:nvGrpSpPr>
           <p:cNvPr id="4" name="グループ化 3"/>
           <p:cNvGrpSpPr/>
           <p:nvPr/>
@@ -3355,7 +3626,7 @@
 </p:sld>
 </file>
 
-<file path=ppt/slides/slide2.xml><?xml version="1.0" encoding="utf-8"?>
+<file path=ppt/slides/slide3.xml><?xml version="1.0" encoding="utf-8"?>
 <p:sld xmlns:a="http://schemas.openxmlformats.org/drawingml/2006/main" xmlns:r="http://schemas.openxmlformats.org/officeDocument/2006/relationships" xmlns:p="http://schemas.openxmlformats.org/presentationml/2006/main">
   <p:cSld>
     <p:spTree>
@@ -3409,7 +3680,7 @@
 </p:sld>
 </file>
 
-<file path=ppt/slides/slide3.xml><?xml version="1.0" encoding="utf-8"?>
+<file path=ppt/slides/slide4.xml><?xml version="1.0" encoding="utf-8"?>
 <p:sld xmlns:a="http://schemas.openxmlformats.org/drawingml/2006/main" xmlns:r="http://schemas.openxmlformats.org/officeDocument/2006/relationships" xmlns:p="http://schemas.openxmlformats.org/presentationml/2006/main">
   <p:cSld>
     <p:spTree>
@@ -3463,7 +3734,7 @@
 </p:sld>
 </file>
 
-<file path=ppt/slides/slide4.xml><?xml version="1.0" encoding="utf-8"?>
+<file path=ppt/slides/slide5.xml><?xml version="1.0" encoding="utf-8"?>
 <p:sld xmlns:a="http://schemas.openxmlformats.org/drawingml/2006/main" xmlns:r="http://schemas.openxmlformats.org/officeDocument/2006/relationships" xmlns:p="http://schemas.openxmlformats.org/presentationml/2006/main">
   <p:cSld>
     <p:spTree>
@@ -3517,7 +3788,7 @@
 </p:sld>
 </file>
 
-<file path=ppt/slides/slide5.xml><?xml version="1.0" encoding="utf-8"?>
+<file path=ppt/slides/slide6.xml><?xml version="1.0" encoding="utf-8"?>
 <p:sld xmlns:a="http://schemas.openxmlformats.org/drawingml/2006/main" xmlns:r="http://schemas.openxmlformats.org/officeDocument/2006/relationships" xmlns:p="http://schemas.openxmlformats.org/presentationml/2006/main">
   <p:cSld>
     <p:spTree>
@@ -3571,7 +3842,7 @@
 </p:sld>
 </file>
 
-<file path=ppt/slides/slide6.xml><?xml version="1.0" encoding="utf-8"?>
+<file path=ppt/slides/slide7.xml><?xml version="1.0" encoding="utf-8"?>
 <p:sld xmlns:a="http://schemas.openxmlformats.org/drawingml/2006/main" xmlns:r="http://schemas.openxmlformats.org/officeDocument/2006/relationships" xmlns:p="http://schemas.openxmlformats.org/presentationml/2006/main">
   <p:cSld>
     <p:spTree>
